--- a/SHAREABOOK ПРЕЗА.pptx
+++ b/SHAREABOOK ПРЕЗА.pptx
@@ -10417,8 +10417,8 @@
         </p:nvSpPr>
         <p:spPr>
           <a:xfrm>
-            <a:off x="640080" y="640080"/>
-            <a:ext cx="3473131" cy="2084832"/>
+            <a:off x="117748" y="640080"/>
+            <a:ext cx="4176464" cy="2084832"/>
           </a:xfrm>
         </p:spPr>
         <p:txBody>
@@ -10432,40 +10432,7 @@
             <a:pPr rtl="0"/>
             <a:r>
               <a:rPr lang="ru-RU" sz="4400" spc="0" dirty="0"/>
-              <a:t>ИСТОЧНИ-КИ</a:t>
-            </a:r>
-          </a:p>
-        </p:txBody>
-      </p:sp>
-      <p:sp>
-        <p:nvSpPr>
-          <p:cNvPr id="4" name="Текст 3">
-            <a:extLst>
-              <a:ext uri="{FF2B5EF4-FFF2-40B4-BE49-F238E27FC236}">
-                <a16:creationId xmlns:a16="http://schemas.microsoft.com/office/drawing/2014/main" id="{BCBF924F-1A71-6C10-3632-77828D347DA1}"/>
-              </a:ext>
-            </a:extLst>
-          </p:cNvPr>
-          <p:cNvSpPr>
-            <a:spLocks noGrp="1"/>
-          </p:cNvSpPr>
-          <p:nvPr>
-            <p:ph type="body" idx="14"/>
-          </p:nvPr>
-        </p:nvSpPr>
-        <p:spPr/>
-        <p:txBody>
-          <a:bodyPr rtlCol="0"/>
-          <a:lstStyle>
-            <a:defPPr>
-              <a:defRPr lang="ru-RU"/>
-            </a:defPPr>
-          </a:lstStyle>
-          <a:p>
-            <a:pPr rtl="0"/>
-            <a:r>
-              <a:rPr lang="ru-RU" dirty="0"/>
-              <a:t>ВЕБ-САЙТЫ</a:t>
+              <a:t>ИСТОЧНИКИ</a:t>
             </a:r>
           </a:p>
         </p:txBody>
@@ -10486,87 +10453,10 @@
             <p:ph sz="half" idx="2"/>
           </p:nvPr>
         </p:nvSpPr>
-        <p:spPr/>
-        <p:txBody>
-          <a:bodyPr rtlCol="0"/>
-          <a:lstStyle>
-            <a:defPPr>
-              <a:defRPr lang="ru-RU"/>
-            </a:defPPr>
-          </a:lstStyle>
-          <a:p>
-            <a:pPr rtl="0"/>
-            <a:r>
-              <a:rPr lang="ru-RU" dirty="0"/>
-              <a:t>www.contoso.com</a:t>
-            </a:r>
-          </a:p>
-          <a:p>
-            <a:pPr rtl="0"/>
-            <a:r>
-              <a:rPr lang="ru-RU" dirty="0"/>
-              <a:t>www.relecloud.com</a:t>
-            </a:r>
-          </a:p>
-        </p:txBody>
-      </p:sp>
-      <p:sp>
-        <p:nvSpPr>
-          <p:cNvPr id="6" name="Текст 5">
-            <a:extLst>
-              <a:ext uri="{FF2B5EF4-FFF2-40B4-BE49-F238E27FC236}">
-                <a16:creationId xmlns:a16="http://schemas.microsoft.com/office/drawing/2014/main" id="{77EC7CF9-EBDD-A343-7CE2-A71832EA4CDD}"/>
-              </a:ext>
-            </a:extLst>
-          </p:cNvPr>
-          <p:cNvSpPr>
-            <a:spLocks noGrp="1"/>
-          </p:cNvSpPr>
-          <p:nvPr>
-            <p:ph type="body" sz="quarter" idx="3"/>
-          </p:nvPr>
-        </p:nvSpPr>
-        <p:spPr/>
-        <p:txBody>
-          <a:bodyPr rtlCol="0"/>
-          <a:lstStyle>
-            <a:defPPr>
-              <a:defRPr lang="ru-RU"/>
-            </a:defPPr>
-          </a:lstStyle>
-          <a:p>
-            <a:pPr rtl="0"/>
-            <a:r>
-              <a:rPr lang="ru-RU" dirty="0"/>
-              <a:t>ТЕКСТЫ</a:t>
-            </a:r>
-          </a:p>
-          <a:p>
-            <a:pPr rtl="0"/>
-            <a:endParaRPr lang="ru-RU" dirty="0"/>
-          </a:p>
-        </p:txBody>
-      </p:sp>
-      <p:sp>
-        <p:nvSpPr>
-          <p:cNvPr id="7" name="Объект 6">
-            <a:extLst>
-              <a:ext uri="{FF2B5EF4-FFF2-40B4-BE49-F238E27FC236}">
-                <a16:creationId xmlns:a16="http://schemas.microsoft.com/office/drawing/2014/main" id="{CE08AF22-F0F9-B001-2CCF-2DFA7E8F9499}"/>
-              </a:ext>
-            </a:extLst>
-          </p:cNvPr>
-          <p:cNvSpPr>
-            <a:spLocks noGrp="1"/>
-          </p:cNvSpPr>
-          <p:nvPr>
-            <p:ph sz="quarter" idx="4"/>
-          </p:nvPr>
-        </p:nvSpPr>
         <p:spPr>
           <a:xfrm>
-            <a:off x="4873753" y="3291708"/>
-            <a:ext cx="2276856" cy="2347092"/>
+            <a:off x="4294212" y="188640"/>
+            <a:ext cx="6768751" cy="1316736"/>
           </a:xfrm>
         </p:spPr>
         <p:txBody>
@@ -10577,61 +10467,431 @@
             </a:defPPr>
           </a:lstStyle>
           <a:p>
-            <a:pPr rtl="0"/>
-            <a:r>
-              <a:rPr lang="ru-RU" dirty="0"/>
-              <a:t>Одиссея</a:t>
-            </a:r>
-          </a:p>
-          <a:p>
-            <a:pPr rtl="0"/>
-            <a:r>
-              <a:rPr lang="ru-RU" dirty="0"/>
-              <a:t>Илиада</a:t>
-            </a:r>
-          </a:p>
-          <a:p>
-            <a:pPr rtl="0"/>
-            <a:r>
-              <a:rPr lang="ru-RU" dirty="0" err="1"/>
-              <a:t>Тарих</a:t>
-            </a:r>
-            <a:r>
-              <a:rPr lang="ru-RU" dirty="0"/>
-              <a:t>-и </a:t>
-            </a:r>
-            <a:r>
-              <a:rPr lang="ru-RU" dirty="0" err="1"/>
-              <a:t>Байхаки</a:t>
-            </a:r>
-            <a:endParaRPr lang="ru-RU" dirty="0"/>
-          </a:p>
-          <a:p>
-            <a:pPr rtl="0"/>
-            <a:r>
-              <a:rPr lang="ru-RU" dirty="0" err="1"/>
-              <a:t>Георгики</a:t>
-            </a:r>
-            <a:endParaRPr lang="ru-RU" dirty="0"/>
-          </a:p>
-          <a:p>
-            <a:pPr rtl="0"/>
-            <a:r>
-              <a:rPr lang="ru-RU" dirty="0"/>
-              <a:t>Метаморфозы</a:t>
-            </a:r>
-          </a:p>
-          <a:p>
-            <a:pPr rtl="0"/>
-            <a:endParaRPr lang="ru-RU" dirty="0"/>
-          </a:p>
-          <a:p>
-            <a:pPr rtl="0"/>
-            <a:endParaRPr lang="ru-RU" dirty="0"/>
-          </a:p>
-          <a:p>
-            <a:pPr rtl="0"/>
-            <a:endParaRPr lang="ru-RU" dirty="0"/>
+            <a:pPr indent="450215" algn="just">
+              <a:lnSpc>
+                <a:spcPct val="150000"/>
+              </a:lnSpc>
+            </a:pPr>
+            <a:r>
+              <a:rPr lang="ru-RU" sz="1800" kern="100" dirty="0">
+                <a:effectLst/>
+                <a:latin typeface="Times New Roman" panose="02020603050405020304" pitchFamily="18" charset="0"/>
+                <a:ea typeface="Aptos" panose="020B0004020202020204" pitchFamily="34" charset="0"/>
+                <a:cs typeface="Times New Roman" panose="02020603050405020304" pitchFamily="18" charset="0"/>
+              </a:rPr>
+              <a:t>1. </a:t>
+            </a:r>
+            <a:r>
+              <a:rPr lang="en-GB" sz="1800" kern="100" dirty="0">
+                <a:effectLst/>
+                <a:latin typeface="Times New Roman" panose="02020603050405020304" pitchFamily="18" charset="0"/>
+                <a:ea typeface="Aptos" panose="020B0004020202020204" pitchFamily="34" charset="0"/>
+                <a:cs typeface="Times New Roman" panose="02020603050405020304" pitchFamily="18" charset="0"/>
+              </a:rPr>
+              <a:t>Figma</a:t>
+            </a:r>
+            <a:r>
+              <a:rPr lang="ru-RU" sz="1800" kern="100" dirty="0">
+                <a:effectLst/>
+                <a:latin typeface="Times New Roman" panose="02020603050405020304" pitchFamily="18" charset="0"/>
+                <a:ea typeface="Aptos" panose="020B0004020202020204" pitchFamily="34" charset="0"/>
+                <a:cs typeface="Times New Roman" panose="02020603050405020304" pitchFamily="18" charset="0"/>
+              </a:rPr>
+              <a:t> [</a:t>
+            </a:r>
+            <a:r>
+              <a:rPr lang="en-GB" sz="1800" kern="100" dirty="0">
+                <a:effectLst/>
+                <a:latin typeface="Times New Roman" panose="02020603050405020304" pitchFamily="18" charset="0"/>
+                <a:ea typeface="Aptos" panose="020B0004020202020204" pitchFamily="34" charset="0"/>
+                <a:cs typeface="Times New Roman" panose="02020603050405020304" pitchFamily="18" charset="0"/>
+              </a:rPr>
+              <a:t>Internet</a:t>
+            </a:r>
+            <a:r>
+              <a:rPr lang="ru-RU" sz="1800" kern="100" dirty="0">
+                <a:effectLst/>
+                <a:latin typeface="Times New Roman" panose="02020603050405020304" pitchFamily="18" charset="0"/>
+                <a:ea typeface="Aptos" panose="020B0004020202020204" pitchFamily="34" charset="0"/>
+                <a:cs typeface="Times New Roman" panose="02020603050405020304" pitchFamily="18" charset="0"/>
+              </a:rPr>
+              <a:t>] </a:t>
+            </a:r>
+            <a:r>
+              <a:rPr lang="en-GB" sz="1800" u="sng" kern="100" dirty="0">
+                <a:solidFill>
+                  <a:srgbClr val="467886"/>
+                </a:solidFill>
+                <a:effectLst/>
+                <a:latin typeface="Times New Roman" panose="02020603050405020304" pitchFamily="18" charset="0"/>
+                <a:ea typeface="Aptos" panose="020B0004020202020204" pitchFamily="34" charset="0"/>
+                <a:cs typeface="Times New Roman" panose="02020603050405020304" pitchFamily="18" charset="0"/>
+                <a:hlinkClick r:id="rId4"/>
+              </a:rPr>
+              <a:t>https</a:t>
+            </a:r>
+            <a:r>
+              <a:rPr lang="ru-RU" sz="1800" u="sng" kern="100" dirty="0">
+                <a:solidFill>
+                  <a:srgbClr val="467886"/>
+                </a:solidFill>
+                <a:effectLst/>
+                <a:latin typeface="Times New Roman" panose="02020603050405020304" pitchFamily="18" charset="0"/>
+                <a:ea typeface="Aptos" panose="020B0004020202020204" pitchFamily="34" charset="0"/>
+                <a:cs typeface="Times New Roman" panose="02020603050405020304" pitchFamily="18" charset="0"/>
+                <a:hlinkClick r:id="rId4"/>
+              </a:rPr>
+              <a:t>://</a:t>
+            </a:r>
+            <a:r>
+              <a:rPr lang="en-GB" sz="1800" u="sng" kern="100" dirty="0" err="1">
+                <a:solidFill>
+                  <a:srgbClr val="467886"/>
+                </a:solidFill>
+                <a:effectLst/>
+                <a:latin typeface="Times New Roman" panose="02020603050405020304" pitchFamily="18" charset="0"/>
+                <a:ea typeface="Aptos" panose="020B0004020202020204" pitchFamily="34" charset="0"/>
+                <a:cs typeface="Times New Roman" panose="02020603050405020304" pitchFamily="18" charset="0"/>
+                <a:hlinkClick r:id="rId4"/>
+              </a:rPr>
+              <a:t>ru</a:t>
+            </a:r>
+            <a:r>
+              <a:rPr lang="ru-RU" sz="1800" u="sng" kern="100" dirty="0">
+                <a:solidFill>
+                  <a:srgbClr val="467886"/>
+                </a:solidFill>
+                <a:effectLst/>
+                <a:latin typeface="Times New Roman" panose="02020603050405020304" pitchFamily="18" charset="0"/>
+                <a:ea typeface="Aptos" panose="020B0004020202020204" pitchFamily="34" charset="0"/>
+                <a:cs typeface="Times New Roman" panose="02020603050405020304" pitchFamily="18" charset="0"/>
+                <a:hlinkClick r:id="rId4"/>
+              </a:rPr>
+              <a:t>.</a:t>
+            </a:r>
+            <a:r>
+              <a:rPr lang="en-GB" sz="1800" u="sng" kern="100" dirty="0" err="1">
+                <a:solidFill>
+                  <a:srgbClr val="467886"/>
+                </a:solidFill>
+                <a:effectLst/>
+                <a:latin typeface="Times New Roman" panose="02020603050405020304" pitchFamily="18" charset="0"/>
+                <a:ea typeface="Aptos" panose="020B0004020202020204" pitchFamily="34" charset="0"/>
+                <a:cs typeface="Times New Roman" panose="02020603050405020304" pitchFamily="18" charset="0"/>
+                <a:hlinkClick r:id="rId4"/>
+              </a:rPr>
+              <a:t>wikipedia</a:t>
+            </a:r>
+            <a:r>
+              <a:rPr lang="ru-RU" sz="1800" u="sng" kern="100" dirty="0">
+                <a:solidFill>
+                  <a:srgbClr val="467886"/>
+                </a:solidFill>
+                <a:effectLst/>
+                <a:latin typeface="Times New Roman" panose="02020603050405020304" pitchFamily="18" charset="0"/>
+                <a:ea typeface="Aptos" panose="020B0004020202020204" pitchFamily="34" charset="0"/>
+                <a:cs typeface="Times New Roman" panose="02020603050405020304" pitchFamily="18" charset="0"/>
+                <a:hlinkClick r:id="rId4"/>
+              </a:rPr>
+              <a:t>.</a:t>
+            </a:r>
+            <a:r>
+              <a:rPr lang="en-GB" sz="1800" u="sng" kern="100" dirty="0">
+                <a:solidFill>
+                  <a:srgbClr val="467886"/>
+                </a:solidFill>
+                <a:effectLst/>
+                <a:latin typeface="Times New Roman" panose="02020603050405020304" pitchFamily="18" charset="0"/>
+                <a:ea typeface="Aptos" panose="020B0004020202020204" pitchFamily="34" charset="0"/>
+                <a:cs typeface="Times New Roman" panose="02020603050405020304" pitchFamily="18" charset="0"/>
+                <a:hlinkClick r:id="rId4"/>
+              </a:rPr>
+              <a:t>org</a:t>
+            </a:r>
+            <a:r>
+              <a:rPr lang="ru-RU" sz="1800" u="sng" kern="100" dirty="0">
+                <a:solidFill>
+                  <a:srgbClr val="467886"/>
+                </a:solidFill>
+                <a:effectLst/>
+                <a:latin typeface="Times New Roman" panose="02020603050405020304" pitchFamily="18" charset="0"/>
+                <a:ea typeface="Aptos" panose="020B0004020202020204" pitchFamily="34" charset="0"/>
+                <a:cs typeface="Times New Roman" panose="02020603050405020304" pitchFamily="18" charset="0"/>
+                <a:hlinkClick r:id="rId4"/>
+              </a:rPr>
+              <a:t>/</a:t>
+            </a:r>
+            <a:r>
+              <a:rPr lang="en-GB" sz="1800" u="sng" kern="100" dirty="0">
+                <a:solidFill>
+                  <a:srgbClr val="467886"/>
+                </a:solidFill>
+                <a:effectLst/>
+                <a:latin typeface="Times New Roman" panose="02020603050405020304" pitchFamily="18" charset="0"/>
+                <a:ea typeface="Aptos" panose="020B0004020202020204" pitchFamily="34" charset="0"/>
+                <a:cs typeface="Times New Roman" panose="02020603050405020304" pitchFamily="18" charset="0"/>
+                <a:hlinkClick r:id="rId4"/>
+              </a:rPr>
+              <a:t>wiki</a:t>
+            </a:r>
+            <a:r>
+              <a:rPr lang="ru-RU" sz="1800" u="sng" kern="100" dirty="0">
+                <a:solidFill>
+                  <a:srgbClr val="467886"/>
+                </a:solidFill>
+                <a:effectLst/>
+                <a:latin typeface="Times New Roman" panose="02020603050405020304" pitchFamily="18" charset="0"/>
+                <a:ea typeface="Aptos" panose="020B0004020202020204" pitchFamily="34" charset="0"/>
+                <a:cs typeface="Times New Roman" panose="02020603050405020304" pitchFamily="18" charset="0"/>
+                <a:hlinkClick r:id="rId4"/>
+              </a:rPr>
+              <a:t>/</a:t>
+            </a:r>
+            <a:r>
+              <a:rPr lang="en-GB" sz="1800" u="sng" kern="100" dirty="0">
+                <a:solidFill>
+                  <a:srgbClr val="467886"/>
+                </a:solidFill>
+                <a:effectLst/>
+                <a:latin typeface="Times New Roman" panose="02020603050405020304" pitchFamily="18" charset="0"/>
+                <a:ea typeface="Aptos" panose="020B0004020202020204" pitchFamily="34" charset="0"/>
+                <a:cs typeface="Times New Roman" panose="02020603050405020304" pitchFamily="18" charset="0"/>
+                <a:hlinkClick r:id="rId4"/>
+              </a:rPr>
+              <a:t>Figma</a:t>
+            </a:r>
+            <a:endParaRPr lang="ru-RU" sz="1800" kern="100" dirty="0">
+              <a:effectLst/>
+              <a:latin typeface="Aptos" panose="020B0004020202020204" pitchFamily="34" charset="0"/>
+              <a:ea typeface="Aptos" panose="020B0004020202020204" pitchFamily="34" charset="0"/>
+              <a:cs typeface="Times New Roman" panose="02020603050405020304" pitchFamily="18" charset="0"/>
+            </a:endParaRPr>
+          </a:p>
+          <a:p>
+            <a:pPr indent="450215" algn="just">
+              <a:lnSpc>
+                <a:spcPct val="150000"/>
+              </a:lnSpc>
+            </a:pPr>
+            <a:r>
+              <a:rPr lang="ru-RU" sz="1800" kern="100" dirty="0">
+                <a:effectLst/>
+                <a:latin typeface="Times New Roman" panose="02020603050405020304" pitchFamily="18" charset="0"/>
+                <a:ea typeface="Aptos" panose="020B0004020202020204" pitchFamily="34" charset="0"/>
+                <a:cs typeface="Times New Roman" panose="02020603050405020304" pitchFamily="18" charset="0"/>
+              </a:rPr>
+              <a:t>2. Шабанов, Д. Ю. "Дизайн пользовательского интерфейса." М</a:t>
+            </a:r>
+            <a:r>
+              <a:rPr lang="en-US" sz="1800" kern="100" dirty="0">
+                <a:effectLst/>
+                <a:latin typeface="Times New Roman" panose="02020603050405020304" pitchFamily="18" charset="0"/>
+                <a:ea typeface="Aptos" panose="020B0004020202020204" pitchFamily="34" charset="0"/>
+                <a:cs typeface="Times New Roman" panose="02020603050405020304" pitchFamily="18" charset="0"/>
+              </a:rPr>
+              <a:t>.: </a:t>
+            </a:r>
+            <a:r>
+              <a:rPr lang="ru-RU" sz="1800" kern="100" dirty="0">
+                <a:effectLst/>
+                <a:latin typeface="Times New Roman" panose="02020603050405020304" pitchFamily="18" charset="0"/>
+                <a:ea typeface="Aptos" panose="020B0004020202020204" pitchFamily="34" charset="0"/>
+                <a:cs typeface="Times New Roman" panose="02020603050405020304" pitchFamily="18" charset="0"/>
+              </a:rPr>
+              <a:t>Издательство</a:t>
+            </a:r>
+            <a:r>
+              <a:rPr lang="en-US" sz="1800" kern="100" dirty="0">
+                <a:effectLst/>
+                <a:latin typeface="Times New Roman" panose="02020603050405020304" pitchFamily="18" charset="0"/>
+                <a:ea typeface="Aptos" panose="020B0004020202020204" pitchFamily="34" charset="0"/>
+                <a:cs typeface="Times New Roman" panose="02020603050405020304" pitchFamily="18" charset="0"/>
+              </a:rPr>
+              <a:t>, 2020.</a:t>
+            </a:r>
+            <a:endParaRPr lang="ru-RU" sz="1800" kern="100" dirty="0">
+              <a:effectLst/>
+              <a:latin typeface="Aptos" panose="020B0004020202020204" pitchFamily="34" charset="0"/>
+              <a:ea typeface="Aptos" panose="020B0004020202020204" pitchFamily="34" charset="0"/>
+              <a:cs typeface="Times New Roman" panose="02020603050405020304" pitchFamily="18" charset="0"/>
+            </a:endParaRPr>
+          </a:p>
+          <a:p>
+            <a:pPr indent="450215" algn="just">
+              <a:lnSpc>
+                <a:spcPct val="150000"/>
+              </a:lnSpc>
+            </a:pPr>
+            <a:r>
+              <a:rPr lang="en-US" sz="1800" kern="100" dirty="0">
+                <a:effectLst/>
+                <a:latin typeface="Times New Roman" panose="02020603050405020304" pitchFamily="18" charset="0"/>
+                <a:ea typeface="Aptos" panose="020B0004020202020204" pitchFamily="34" charset="0"/>
+                <a:cs typeface="Times New Roman" panose="02020603050405020304" pitchFamily="18" charset="0"/>
+              </a:rPr>
+              <a:t>3. Django [</a:t>
+            </a:r>
+            <a:r>
+              <a:rPr lang="en-GB" sz="1800" kern="100" dirty="0">
+                <a:effectLst/>
+                <a:latin typeface="Times New Roman" panose="02020603050405020304" pitchFamily="18" charset="0"/>
+                <a:ea typeface="Aptos" panose="020B0004020202020204" pitchFamily="34" charset="0"/>
+                <a:cs typeface="Times New Roman" panose="02020603050405020304" pitchFamily="18" charset="0"/>
+              </a:rPr>
+              <a:t>Internet</a:t>
+            </a:r>
+            <a:r>
+              <a:rPr lang="en-US" sz="1800" kern="100" dirty="0">
+                <a:effectLst/>
+                <a:latin typeface="Times New Roman" panose="02020603050405020304" pitchFamily="18" charset="0"/>
+                <a:ea typeface="Aptos" panose="020B0004020202020204" pitchFamily="34" charset="0"/>
+                <a:cs typeface="Times New Roman" panose="02020603050405020304" pitchFamily="18" charset="0"/>
+              </a:rPr>
+              <a:t>] https://ru.wikipedia.org/wiki/Django</a:t>
+            </a:r>
+            <a:endParaRPr lang="ru-RU" sz="1800" kern="100" dirty="0">
+              <a:effectLst/>
+              <a:latin typeface="Aptos" panose="020B0004020202020204" pitchFamily="34" charset="0"/>
+              <a:ea typeface="Aptos" panose="020B0004020202020204" pitchFamily="34" charset="0"/>
+              <a:cs typeface="Times New Roman" panose="02020603050405020304" pitchFamily="18" charset="0"/>
+            </a:endParaRPr>
+          </a:p>
+          <a:p>
+            <a:pPr indent="450215" algn="just">
+              <a:lnSpc>
+                <a:spcPct val="150000"/>
+              </a:lnSpc>
+            </a:pPr>
+            <a:r>
+              <a:rPr lang="en-US" sz="1800" kern="100" dirty="0">
+                <a:effectLst/>
+                <a:latin typeface="Times New Roman" panose="02020603050405020304" pitchFamily="18" charset="0"/>
+                <a:ea typeface="Aptos" panose="020B0004020202020204" pitchFamily="34" charset="0"/>
+                <a:cs typeface="Times New Roman" panose="02020603050405020304" pitchFamily="18" charset="0"/>
+              </a:rPr>
+              <a:t>4. Favicon [</a:t>
+            </a:r>
+            <a:r>
+              <a:rPr lang="en-GB" sz="1800" kern="100" dirty="0">
+                <a:effectLst/>
+                <a:latin typeface="Times New Roman" panose="02020603050405020304" pitchFamily="18" charset="0"/>
+                <a:ea typeface="Aptos" panose="020B0004020202020204" pitchFamily="34" charset="0"/>
+                <a:cs typeface="Times New Roman" panose="02020603050405020304" pitchFamily="18" charset="0"/>
+              </a:rPr>
+              <a:t>Internet</a:t>
+            </a:r>
+            <a:r>
+              <a:rPr lang="en-US" sz="1800" kern="100" dirty="0">
+                <a:effectLst/>
+                <a:latin typeface="Times New Roman" panose="02020603050405020304" pitchFamily="18" charset="0"/>
+                <a:ea typeface="Aptos" panose="020B0004020202020204" pitchFamily="34" charset="0"/>
+                <a:cs typeface="Times New Roman" panose="02020603050405020304" pitchFamily="18" charset="0"/>
+              </a:rPr>
+              <a:t>] </a:t>
+            </a:r>
+            <a:r>
+              <a:rPr lang="en-US" sz="1800" u="sng" kern="100" dirty="0">
+                <a:solidFill>
+                  <a:srgbClr val="467886"/>
+                </a:solidFill>
+                <a:effectLst/>
+                <a:latin typeface="Times New Roman" panose="02020603050405020304" pitchFamily="18" charset="0"/>
+                <a:ea typeface="Aptos" panose="020B0004020202020204" pitchFamily="34" charset="0"/>
+                <a:cs typeface="Times New Roman" panose="02020603050405020304" pitchFamily="18" charset="0"/>
+                <a:hlinkClick r:id="rId5"/>
+              </a:rPr>
+              <a:t>https://ru.wikipedia.org/wiki/Favicon</a:t>
+            </a:r>
+            <a:endParaRPr lang="ru-RU" sz="1800" kern="100" dirty="0">
+              <a:effectLst/>
+              <a:latin typeface="Aptos" panose="020B0004020202020204" pitchFamily="34" charset="0"/>
+              <a:ea typeface="Aptos" panose="020B0004020202020204" pitchFamily="34" charset="0"/>
+              <a:cs typeface="Times New Roman" panose="02020603050405020304" pitchFamily="18" charset="0"/>
+            </a:endParaRPr>
+          </a:p>
+          <a:p>
+            <a:pPr indent="450215" algn="just">
+              <a:lnSpc>
+                <a:spcPct val="150000"/>
+              </a:lnSpc>
+            </a:pPr>
+            <a:r>
+              <a:rPr lang="ru-RU" sz="1800" kern="100" dirty="0">
+                <a:effectLst/>
+                <a:latin typeface="Times New Roman" panose="02020603050405020304" pitchFamily="18" charset="0"/>
+                <a:ea typeface="Aptos" panose="020B0004020202020204" pitchFamily="34" charset="0"/>
+                <a:cs typeface="Times New Roman" panose="02020603050405020304" pitchFamily="18" charset="0"/>
+              </a:rPr>
+              <a:t>5. Силин, П. А. "Проектирование и разработка веб-приложений." М.: Издательство, 2020.</a:t>
+            </a:r>
+            <a:endParaRPr lang="ru-RU" sz="1800" kern="100" dirty="0">
+              <a:effectLst/>
+              <a:latin typeface="Aptos" panose="020B0004020202020204" pitchFamily="34" charset="0"/>
+              <a:ea typeface="Aptos" panose="020B0004020202020204" pitchFamily="34" charset="0"/>
+              <a:cs typeface="Times New Roman" panose="02020603050405020304" pitchFamily="18" charset="0"/>
+            </a:endParaRPr>
+          </a:p>
+          <a:p>
+            <a:pPr indent="450215" algn="just">
+              <a:lnSpc>
+                <a:spcPct val="150000"/>
+              </a:lnSpc>
+            </a:pPr>
+            <a:r>
+              <a:rPr lang="ru-RU" sz="1800" kern="100" dirty="0">
+                <a:effectLst/>
+                <a:latin typeface="Times New Roman" panose="02020603050405020304" pitchFamily="18" charset="0"/>
+                <a:ea typeface="Aptos" panose="020B0004020202020204" pitchFamily="34" charset="0"/>
+                <a:cs typeface="Times New Roman" panose="02020603050405020304" pitchFamily="18" charset="0"/>
+              </a:rPr>
+              <a:t>6.  Баранов, С. В. "Основы работы с </a:t>
+            </a:r>
+            <a:r>
+              <a:rPr lang="ru-RU" sz="1800" kern="100" dirty="0" err="1">
+                <a:effectLst/>
+                <a:latin typeface="Times New Roman" panose="02020603050405020304" pitchFamily="18" charset="0"/>
+                <a:ea typeface="Aptos" panose="020B0004020202020204" pitchFamily="34" charset="0"/>
+                <a:cs typeface="Times New Roman" panose="02020603050405020304" pitchFamily="18" charset="0"/>
+              </a:rPr>
+              <a:t>Django</a:t>
+            </a:r>
+            <a:r>
+              <a:rPr lang="ru-RU" sz="1800" kern="100" dirty="0">
+                <a:effectLst/>
+                <a:latin typeface="Times New Roman" panose="02020603050405020304" pitchFamily="18" charset="0"/>
+                <a:ea typeface="Aptos" panose="020B0004020202020204" pitchFamily="34" charset="0"/>
+                <a:cs typeface="Times New Roman" panose="02020603050405020304" pitchFamily="18" charset="0"/>
+              </a:rPr>
+              <a:t>." М.: Издательство, 2021.</a:t>
+            </a:r>
+            <a:endParaRPr lang="ru-RU" sz="1800" kern="100" dirty="0">
+              <a:effectLst/>
+              <a:latin typeface="Aptos" panose="020B0004020202020204" pitchFamily="34" charset="0"/>
+              <a:ea typeface="Aptos" panose="020B0004020202020204" pitchFamily="34" charset="0"/>
+              <a:cs typeface="Times New Roman" panose="02020603050405020304" pitchFamily="18" charset="0"/>
+            </a:endParaRPr>
+          </a:p>
+          <a:p>
+            <a:pPr indent="450215" algn="just">
+              <a:lnSpc>
+                <a:spcPct val="150000"/>
+              </a:lnSpc>
+            </a:pPr>
+            <a:r>
+              <a:rPr lang="ru-RU" sz="1800" kern="100" dirty="0">
+                <a:effectLst/>
+                <a:latin typeface="Times New Roman" panose="02020603050405020304" pitchFamily="18" charset="0"/>
+                <a:ea typeface="Aptos" panose="020B0004020202020204" pitchFamily="34" charset="0"/>
+                <a:cs typeface="Times New Roman" panose="02020603050405020304" pitchFamily="18" charset="0"/>
+              </a:rPr>
+              <a:t>7. Степанов, И. А. "Методы тестирования программного обеспечения." М.: Издательство, 2017.</a:t>
+            </a:r>
+            <a:endParaRPr lang="ru-RU" sz="1800" kern="100" dirty="0">
+              <a:effectLst/>
+              <a:latin typeface="Aptos" panose="020B0004020202020204" pitchFamily="34" charset="0"/>
+              <a:ea typeface="Aptos" panose="020B0004020202020204" pitchFamily="34" charset="0"/>
+              <a:cs typeface="Times New Roman" panose="02020603050405020304" pitchFamily="18" charset="0"/>
+            </a:endParaRPr>
           </a:p>
           <a:p>
             <a:pPr rtl="0"/>
@@ -12161,7 +12421,7 @@
               <a:rPr lang="ru-RU" dirty="0">
                 <a:latin typeface="+mj-lt"/>
               </a:rPr>
-              <a:t>Работу со статичными файлами и с файлами </a:t>
+              <a:t>Работа со статичными файлами и с файлами </a:t>
             </a:r>
             <a:r>
               <a:rPr lang="en-GB" dirty="0">
